--- a/Exercise 5: Loops/09.16.2019_G489589_Loops.pptx
+++ b/Exercise 5: Loops/09.16.2019_G489589_Loops.pptx
@@ -6765,12 +6765,20 @@
               <a:t>data_df.loc</a:t>
             </a:r>
             <a:r>
+              <a:rPr lang="en-US">
+                <a:solidFill>
+                  <a:schemeClr val="accent1"/>
+                </a:solidFill>
+              </a:rPr>
+              <a:t>[[1000, 1003, 1010], </a:t>
+            </a:r>
+            <a:r>
               <a:rPr lang="en-US" dirty="0">
                 <a:solidFill>
                   <a:schemeClr val="accent1"/>
                 </a:solidFill>
               </a:rPr>
-              <a:t>[[“1000”, “1003”, “1010”], [“TA”, “VPD”]]</a:t>
+              <a:t>[“TA”, “VPD”]]</a:t>
             </a:r>
           </a:p>
           <a:p>
